--- a/talk/talk.pptx
+++ b/talk/talk.pptx
@@ -5,7 +5,7 @@
     <p:sldMasterId id="2147483648" r:id="rId1"/>
   </p:sldMasterIdLst>
   <p:notesMasterIdLst>
-    <p:notesMasterId r:id="rId23"/>
+    <p:notesMasterId r:id="rId24"/>
   </p:notesMasterIdLst>
   <p:sldIdLst>
     <p:sldId id="256" r:id="rId2"/>
@@ -20,15 +20,16 @@
     <p:sldId id="267" r:id="rId11"/>
     <p:sldId id="271" r:id="rId12"/>
     <p:sldId id="274" r:id="rId13"/>
-    <p:sldId id="276" r:id="rId14"/>
-    <p:sldId id="257" r:id="rId15"/>
-    <p:sldId id="270" r:id="rId16"/>
-    <p:sldId id="272" r:id="rId17"/>
-    <p:sldId id="265" r:id="rId18"/>
-    <p:sldId id="259" r:id="rId19"/>
-    <p:sldId id="260" r:id="rId20"/>
-    <p:sldId id="269" r:id="rId21"/>
-    <p:sldId id="258" r:id="rId22"/>
+    <p:sldId id="279" r:id="rId14"/>
+    <p:sldId id="276" r:id="rId15"/>
+    <p:sldId id="257" r:id="rId16"/>
+    <p:sldId id="270" r:id="rId17"/>
+    <p:sldId id="272" r:id="rId18"/>
+    <p:sldId id="265" r:id="rId19"/>
+    <p:sldId id="259" r:id="rId20"/>
+    <p:sldId id="260" r:id="rId21"/>
+    <p:sldId id="269" r:id="rId22"/>
+    <p:sldId id="258" r:id="rId23"/>
   </p:sldIdLst>
   <p:sldSz cx="12192000" cy="6858000"/>
   <p:notesSz cx="7010400" cy="9296400"/>
@@ -148,6 +149,7 @@
             <p14:sldId id="267"/>
             <p14:sldId id="271"/>
             <p14:sldId id="274"/>
+            <p14:sldId id="279"/>
             <p14:sldId id="276"/>
             <p14:sldId id="257"/>
             <p14:sldId id="270"/>
@@ -251,7 +253,7 @@
           <a:p>
             <a:fld id="{2B339CFC-97C2-4923-802C-D1802D6891AF}" type="datetimeFigureOut">
               <a:rPr lang="en-US" smtClean="0"/>
-              <a:t>5/12/2015</a:t>
+              <a:t>5/13/2015</a:t>
             </a:fld>
             <a:endParaRPr lang="en-US"/>
           </a:p>
@@ -999,17 +1001,52 @@
           <a:lstStyle/>
           <a:p>
             <a:r>
-              <a:rPr lang="en-US" i="1" dirty="0" smtClean="0"/>
-              <a:t>(Philanthropic advisors mostly maligned by EA so far – see Singer’s book pointing out all the lame causes one advisor mentions)</a:t>
-            </a:r>
-            <a:endParaRPr lang="en-US" i="1" baseline="0" dirty="0" smtClean="0"/>
-          </a:p>
-          <a:p>
-            <a:r>
               <a:rPr lang="en-US" dirty="0" smtClean="0"/>
-              <a:t>[“And with that I’ll let Angela introduce Agora Fund and how it’s addressing the donor market.”]</a:t>
+              <a:t>Traditional, organization-focused:</a:t>
+            </a:r>
+            <a:r>
+              <a:rPr lang="en-US" baseline="0" dirty="0" smtClean="0"/>
+              <a:t> </a:t>
+            </a:r>
+          </a:p>
+          <a:p>
+            <a:pPr lvl="1"/>
+            <a:r>
+              <a:rPr lang="en-US" baseline="0" dirty="0" smtClean="0"/>
+              <a:t>Organizations do the most good they can given their organization’s scope and the will of their donors</a:t>
+            </a:r>
+          </a:p>
+          <a:p>
+            <a:pPr lvl="1"/>
+            <a:r>
+              <a:rPr lang="en-US" baseline="0" dirty="0" smtClean="0"/>
+              <a:t>Organizations seek donations by </a:t>
+            </a:r>
+            <a:r>
+              <a:rPr lang="en-US" dirty="0" smtClean="0"/>
+              <a:t>raising awareness of problems they are equipped to address</a:t>
             </a:r>
             <a:endParaRPr lang="en-US" baseline="0" dirty="0" smtClean="0"/>
+          </a:p>
+          <a:p>
+            <a:r>
+              <a:rPr lang="en-US" dirty="0" smtClean="0"/>
+              <a:t>An impact-driven market:</a:t>
+            </a:r>
+          </a:p>
+          <a:p>
+            <a:pPr lvl="1"/>
+            <a:r>
+              <a:rPr lang="en-US" dirty="0" smtClean="0"/>
+              <a:t>Independent organizations assess the suitability of charities to match donors’ intent</a:t>
+            </a:r>
+          </a:p>
+          <a:p>
+            <a:pPr lvl="1"/>
+            <a:r>
+              <a:rPr lang="en-US" dirty="0" smtClean="0"/>
+              <a:t>What if a donor market emerges that simply aims to efficiently reduce suffering and death by any means?</a:t>
+            </a:r>
           </a:p>
           <a:p>
             <a:endParaRPr lang="en-US" dirty="0"/>
@@ -1042,7 +1079,7 @@
     </p:spTree>
     <p:extLst>
       <p:ext uri="{BB962C8B-B14F-4D97-AF65-F5344CB8AC3E}">
-        <p14:creationId xmlns:p14="http://schemas.microsoft.com/office/powerpoint/2010/main" val="3033488921"/>
+        <p14:creationId xmlns:p14="http://schemas.microsoft.com/office/powerpoint/2010/main" val="1518591818"/>
       </p:ext>
     </p:extLst>
   </p:cSld>
@@ -1097,13 +1134,19 @@
           <a:lstStyle/>
           <a:p>
             <a:r>
+              <a:rPr lang="en-US" i="1" dirty="0" smtClean="0"/>
+              <a:t>(Philanthropic advisors mostly maligned by EA so far – see Singer’s book pointing out all the lame causes one advisor mentions)</a:t>
+            </a:r>
+            <a:endParaRPr lang="en-US" i="1" baseline="0" dirty="0" smtClean="0"/>
+          </a:p>
+          <a:p>
+            <a:r>
               <a:rPr lang="en-US" dirty="0" smtClean="0"/>
-              <a:t>Threats to humanity’s future, which, after all, could </a:t>
-            </a:r>
-            <a:r>
-              <a:rPr lang="en-US" baseline="0" dirty="0" smtClean="0"/>
-              <a:t>continue for billions or trillions of years, so it concerns quite a lot of potential future people.</a:t>
-            </a:r>
+              <a:t>[“And with that I’ll let Angela introduce Agora Fund and how it’s addressing the donor market.”]</a:t>
+            </a:r>
+            <a:endParaRPr lang="en-US" baseline="0" dirty="0" smtClean="0"/>
+          </a:p>
+          <a:p>
             <a:endParaRPr lang="en-US" dirty="0"/>
           </a:p>
         </p:txBody>
@@ -1134,7 +1177,7 @@
     </p:spTree>
     <p:extLst>
       <p:ext uri="{BB962C8B-B14F-4D97-AF65-F5344CB8AC3E}">
-        <p14:creationId xmlns:p14="http://schemas.microsoft.com/office/powerpoint/2010/main" val="516211286"/>
+        <p14:creationId xmlns:p14="http://schemas.microsoft.com/office/powerpoint/2010/main" val="3033488921"/>
       </p:ext>
     </p:extLst>
   </p:cSld>
@@ -1190,28 +1233,12 @@
           <a:p>
             <a:r>
               <a:rPr lang="en-US" dirty="0" smtClean="0"/>
-              <a:t>Let’s say you’re relaxing by a pond with </a:t>
+              <a:t>Threats to humanity’s future, which, after all, could </a:t>
             </a:r>
             <a:r>
               <a:rPr lang="en-US" baseline="0" dirty="0" smtClean="0"/>
-              <a:t>your brand new 15-inch </a:t>
-            </a:r>
-            <a:r>
-              <a:rPr lang="en-US" baseline="0" dirty="0" err="1" smtClean="0"/>
-              <a:t>macbook</a:t>
-            </a:r>
-            <a:r>
-              <a:rPr lang="en-US" baseline="0" dirty="0" smtClean="0"/>
-              <a:t> pro with retina display – retail price $2,499.</a:t>
-            </a:r>
-          </a:p>
-          <a:p>
-            <a:r>
-              <a:rPr lang="en-US" baseline="0" dirty="0" smtClean="0"/>
-              <a:t>And just as it </a:t>
-            </a:r>
-          </a:p>
-          <a:p>
+              <a:t>continue for billions or trillions of years, so it concerns quite a lot of potential future people.</a:t>
+            </a:r>
             <a:endParaRPr lang="en-US" dirty="0"/>
           </a:p>
         </p:txBody>
@@ -1242,7 +1269,7 @@
     </p:spTree>
     <p:extLst>
       <p:ext uri="{BB962C8B-B14F-4D97-AF65-F5344CB8AC3E}">
-        <p14:creationId xmlns:p14="http://schemas.microsoft.com/office/powerpoint/2010/main" val="160412758"/>
+        <p14:creationId xmlns:p14="http://schemas.microsoft.com/office/powerpoint/2010/main" val="516211286"/>
       </p:ext>
     </p:extLst>
   </p:cSld>
@@ -1296,7 +1323,31 @@
           <a:bodyPr/>
           <a:lstStyle/>
           <a:p>
-            <a:endParaRPr lang="en-US"/>
+            <a:r>
+              <a:rPr lang="en-US" dirty="0" smtClean="0"/>
+              <a:t>Let’s say you’re relaxing by a pond with </a:t>
+            </a:r>
+            <a:r>
+              <a:rPr lang="en-US" baseline="0" dirty="0" smtClean="0"/>
+              <a:t>your brand new 15-inch </a:t>
+            </a:r>
+            <a:r>
+              <a:rPr lang="en-US" baseline="0" dirty="0" err="1" smtClean="0"/>
+              <a:t>macbook</a:t>
+            </a:r>
+            <a:r>
+              <a:rPr lang="en-US" baseline="0" dirty="0" smtClean="0"/>
+              <a:t> pro with retina display – retail price $2,499.</a:t>
+            </a:r>
+          </a:p>
+          <a:p>
+            <a:r>
+              <a:rPr lang="en-US" baseline="0" dirty="0" smtClean="0"/>
+              <a:t>And just as it </a:t>
+            </a:r>
+          </a:p>
+          <a:p>
+            <a:endParaRPr lang="en-US" dirty="0"/>
           </a:p>
         </p:txBody>
       </p:sp>
@@ -1326,7 +1377,7 @@
     </p:spTree>
     <p:extLst>
       <p:ext uri="{BB962C8B-B14F-4D97-AF65-F5344CB8AC3E}">
-        <p14:creationId xmlns:p14="http://schemas.microsoft.com/office/powerpoint/2010/main" val="3285031157"/>
+        <p14:creationId xmlns:p14="http://schemas.microsoft.com/office/powerpoint/2010/main" val="160412758"/>
       </p:ext>
     </p:extLst>
   </p:cSld>
@@ -1410,7 +1461,7 @@
     </p:spTree>
     <p:extLst>
       <p:ext uri="{BB962C8B-B14F-4D97-AF65-F5344CB8AC3E}">
-        <p14:creationId xmlns:p14="http://schemas.microsoft.com/office/powerpoint/2010/main" val="375876039"/>
+        <p14:creationId xmlns:p14="http://schemas.microsoft.com/office/powerpoint/2010/main" val="3285031157"/>
       </p:ext>
     </p:extLst>
   </p:cSld>
@@ -1494,7 +1545,7 @@
     </p:spTree>
     <p:extLst>
       <p:ext uri="{BB962C8B-B14F-4D97-AF65-F5344CB8AC3E}">
-        <p14:creationId xmlns:p14="http://schemas.microsoft.com/office/powerpoint/2010/main" val="3262544090"/>
+        <p14:creationId xmlns:p14="http://schemas.microsoft.com/office/powerpoint/2010/main" val="375876039"/>
       </p:ext>
     </p:extLst>
   </p:cSld>
@@ -1578,7 +1629,7 @@
     </p:spTree>
     <p:extLst>
       <p:ext uri="{BB962C8B-B14F-4D97-AF65-F5344CB8AC3E}">
-        <p14:creationId xmlns:p14="http://schemas.microsoft.com/office/powerpoint/2010/main" val="1692550496"/>
+        <p14:creationId xmlns:p14="http://schemas.microsoft.com/office/powerpoint/2010/main" val="3262544090"/>
       </p:ext>
     </p:extLst>
   </p:cSld>
@@ -1775,7 +1826,7 @@
     </p:spTree>
     <p:extLst>
       <p:ext uri="{BB962C8B-B14F-4D97-AF65-F5344CB8AC3E}">
-        <p14:creationId xmlns:p14="http://schemas.microsoft.com/office/powerpoint/2010/main" val="1955401771"/>
+        <p14:creationId xmlns:p14="http://schemas.microsoft.com/office/powerpoint/2010/main" val="1692550496"/>
       </p:ext>
     </p:extLst>
   </p:cSld>
@@ -1851,6 +1902,90 @@
             <a:fld id="{74B3FD19-C006-4D35-B032-80D1136C9C23}" type="slidenum">
               <a:rPr lang="en-US" smtClean="0"/>
               <a:t>21</a:t>
+            </a:fld>
+            <a:endParaRPr lang="en-US"/>
+          </a:p>
+        </p:txBody>
+      </p:sp>
+    </p:spTree>
+    <p:extLst>
+      <p:ext uri="{BB962C8B-B14F-4D97-AF65-F5344CB8AC3E}">
+        <p14:creationId xmlns:p14="http://schemas.microsoft.com/office/powerpoint/2010/main" val="1955401771"/>
+      </p:ext>
+    </p:extLst>
+  </p:cSld>
+  <p:clrMapOvr>
+    <a:masterClrMapping/>
+  </p:clrMapOvr>
+</p:notes>
+</file>
+
+<file path=ppt/notesSlides/notesSlide22.xml><?xml version="1.0" encoding="utf-8"?>
+<p:notes xmlns:a="http://schemas.openxmlformats.org/drawingml/2006/main" xmlns:r="http://schemas.openxmlformats.org/officeDocument/2006/relationships" xmlns:p="http://schemas.openxmlformats.org/presentationml/2006/main">
+  <p:cSld>
+    <p:spTree>
+      <p:nvGrpSpPr>
+        <p:cNvPr id="1" name=""/>
+        <p:cNvGrpSpPr/>
+        <p:nvPr/>
+      </p:nvGrpSpPr>
+      <p:grpSpPr>
+        <a:xfrm>
+          <a:off x="0" y="0"/>
+          <a:ext cx="0" cy="0"/>
+          <a:chOff x="0" y="0"/>
+          <a:chExt cx="0" cy="0"/>
+        </a:xfrm>
+      </p:grpSpPr>
+      <p:sp>
+        <p:nvSpPr>
+          <p:cNvPr id="2" name="Slide Image Placeholder 1"/>
+          <p:cNvSpPr>
+            <a:spLocks noGrp="1" noRot="1" noChangeAspect="1"/>
+          </p:cNvSpPr>
+          <p:nvPr>
+            <p:ph type="sldImg"/>
+          </p:nvPr>
+        </p:nvSpPr>
+        <p:spPr/>
+      </p:sp>
+      <p:sp>
+        <p:nvSpPr>
+          <p:cNvPr id="3" name="Notes Placeholder 2"/>
+          <p:cNvSpPr>
+            <a:spLocks noGrp="1"/>
+          </p:cNvSpPr>
+          <p:nvPr>
+            <p:ph type="body" idx="1"/>
+          </p:nvPr>
+        </p:nvSpPr>
+        <p:spPr/>
+        <p:txBody>
+          <a:bodyPr/>
+          <a:lstStyle/>
+          <a:p>
+            <a:endParaRPr lang="en-US"/>
+          </a:p>
+        </p:txBody>
+      </p:sp>
+      <p:sp>
+        <p:nvSpPr>
+          <p:cNvPr id="4" name="Slide Number Placeholder 3"/>
+          <p:cNvSpPr>
+            <a:spLocks noGrp="1"/>
+          </p:cNvSpPr>
+          <p:nvPr>
+            <p:ph type="sldNum" sz="quarter" idx="10"/>
+          </p:nvPr>
+        </p:nvSpPr>
+        <p:spPr/>
+        <p:txBody>
+          <a:bodyPr/>
+          <a:lstStyle/>
+          <a:p>
+            <a:fld id="{74B3FD19-C006-4D35-B032-80D1136C9C23}" type="slidenum">
+              <a:rPr lang="en-US" smtClean="0"/>
+              <a:t>22</a:t>
             </a:fld>
             <a:endParaRPr lang="en-US"/>
           </a:p>
@@ -2657,7 +2792,7 @@
           <a:p>
             <a:fld id="{F24548B2-0DEE-4136-9444-17E6471AECA4}" type="datetimeFigureOut">
               <a:rPr lang="en-US" smtClean="0"/>
-              <a:t>5/12/2015</a:t>
+              <a:t>5/13/2015</a:t>
             </a:fld>
             <a:endParaRPr lang="en-US"/>
           </a:p>
@@ -2898,7 +3033,7 @@
           <a:p>
             <a:fld id="{F24548B2-0DEE-4136-9444-17E6471AECA4}" type="datetimeFigureOut">
               <a:rPr lang="en-US" smtClean="0"/>
-              <a:t>5/12/2015</a:t>
+              <a:t>5/13/2015</a:t>
             </a:fld>
             <a:endParaRPr lang="en-US"/>
           </a:p>
@@ -3068,7 +3203,7 @@
           <a:p>
             <a:fld id="{F24548B2-0DEE-4136-9444-17E6471AECA4}" type="datetimeFigureOut">
               <a:rPr lang="en-US" smtClean="0"/>
-              <a:t>5/12/2015</a:t>
+              <a:t>5/13/2015</a:t>
             </a:fld>
             <a:endParaRPr lang="en-US"/>
           </a:p>
@@ -3248,7 +3383,7 @@
           <a:p>
             <a:fld id="{F24548B2-0DEE-4136-9444-17E6471AECA4}" type="datetimeFigureOut">
               <a:rPr lang="en-US" smtClean="0"/>
-              <a:t>5/12/2015</a:t>
+              <a:t>5/13/2015</a:t>
             </a:fld>
             <a:endParaRPr lang="en-US"/>
           </a:p>
@@ -3366,7 +3501,7 @@
           <a:p>
             <a:fld id="{F24548B2-0DEE-4136-9444-17E6471AECA4}" type="datetimeFigureOut">
               <a:rPr lang="en-US" smtClean="0"/>
-              <a:t>5/12/2015</a:t>
+              <a:t>5/13/2015</a:t>
             </a:fld>
             <a:endParaRPr lang="en-US"/>
           </a:p>
@@ -3584,7 +3719,7 @@
           <a:p>
             <a:fld id="{F24548B2-0DEE-4136-9444-17E6471AECA4}" type="datetimeFigureOut">
               <a:rPr lang="en-US" smtClean="0"/>
-              <a:t>5/12/2015</a:t>
+              <a:t>5/13/2015</a:t>
             </a:fld>
             <a:endParaRPr lang="en-US"/>
           </a:p>
@@ -3818,7 +3953,7 @@
           <a:p>
             <a:fld id="{F24548B2-0DEE-4136-9444-17E6471AECA4}" type="datetimeFigureOut">
               <a:rPr lang="en-US" smtClean="0"/>
-              <a:t>5/12/2015</a:t>
+              <a:t>5/13/2015</a:t>
             </a:fld>
             <a:endParaRPr lang="en-US"/>
           </a:p>
@@ -4057,7 +4192,7 @@
           <a:p>
             <a:fld id="{F24548B2-0DEE-4136-9444-17E6471AECA4}" type="datetimeFigureOut">
               <a:rPr lang="en-US" smtClean="0"/>
-              <a:t>5/12/2015</a:t>
+              <a:t>5/13/2015</a:t>
             </a:fld>
             <a:endParaRPr lang="en-US"/>
           </a:p>
@@ -4424,7 +4559,7 @@
           <a:p>
             <a:fld id="{F24548B2-0DEE-4136-9444-17E6471AECA4}" type="datetimeFigureOut">
               <a:rPr lang="en-US" smtClean="0"/>
-              <a:t>5/12/2015</a:t>
+              <a:t>5/13/2015</a:t>
             </a:fld>
             <a:endParaRPr lang="en-US"/>
           </a:p>
@@ -4542,7 +4677,7 @@
           <a:p>
             <a:fld id="{F24548B2-0DEE-4136-9444-17E6471AECA4}" type="datetimeFigureOut">
               <a:rPr lang="en-US" smtClean="0"/>
-              <a:t>5/12/2015</a:t>
+              <a:t>5/13/2015</a:t>
             </a:fld>
             <a:endParaRPr lang="en-US"/>
           </a:p>
@@ -4644,7 +4779,7 @@
           <a:p>
             <a:fld id="{F24548B2-0DEE-4136-9444-17E6471AECA4}" type="datetimeFigureOut">
               <a:rPr lang="en-US" smtClean="0"/>
-              <a:t>5/12/2015</a:t>
+              <a:t>5/13/2015</a:t>
             </a:fld>
             <a:endParaRPr lang="en-US"/>
           </a:p>
@@ -4921,7 +5056,7 @@
           <a:p>
             <a:fld id="{F24548B2-0DEE-4136-9444-17E6471AECA4}" type="datetimeFigureOut">
               <a:rPr lang="en-US" smtClean="0"/>
-              <a:t>5/12/2015</a:t>
+              <a:t>5/13/2015</a:t>
             </a:fld>
             <a:endParaRPr lang="en-US"/>
           </a:p>
@@ -5134,7 +5269,7 @@
           <a:p>
             <a:fld id="{F24548B2-0DEE-4136-9444-17E6471AECA4}" type="datetimeFigureOut">
               <a:rPr lang="en-US" smtClean="0"/>
-              <a:t>5/12/2015</a:t>
+              <a:t>5/13/2015</a:t>
             </a:fld>
             <a:endParaRPr lang="en-US"/>
           </a:p>
@@ -5626,7 +5761,7 @@
             <a:r>
               <a:rPr lang="en-US" dirty="0" smtClean="0">
                 <a:solidFill>
-                  <a:schemeClr val="bg1"/>
+                  <a:srgbClr val="93D6DD"/>
                 </a:solidFill>
               </a:rPr>
               <a:t>Effective Altruism </a:t>
@@ -5634,29 +5769,21 @@
             <a:br>
               <a:rPr lang="en-US" dirty="0" smtClean="0">
                 <a:solidFill>
-                  <a:schemeClr val="bg1"/>
+                  <a:srgbClr val="93D6DD"/>
                 </a:solidFill>
               </a:rPr>
             </a:br>
             <a:r>
               <a:rPr lang="en-US" sz="5300" dirty="0" smtClean="0">
                 <a:solidFill>
-                  <a:schemeClr val="bg1"/>
+                  <a:srgbClr val="93D6DD"/>
                 </a:solidFill>
               </a:rPr>
-              <a:t>(</a:t>
-            </a:r>
-            <a:r>
-              <a:rPr lang="en-US" sz="5300" dirty="0" smtClean="0">
-                <a:solidFill>
-                  <a:schemeClr val="bg1"/>
-                </a:solidFill>
-              </a:rPr>
-              <a:t>a quick introduction)</a:t>
+              <a:t>(a quick introduction)</a:t>
             </a:r>
             <a:endParaRPr lang="en-US" sz="5300" dirty="0">
               <a:solidFill>
-                <a:schemeClr val="bg1"/>
+                <a:srgbClr val="93D6DD"/>
               </a:solidFill>
             </a:endParaRPr>
           </a:p>
@@ -5769,13 +5896,13 @@
         </p:nvSpPr>
         <p:spPr>
           <a:xfrm>
-            <a:off x="838200" y="3073940"/>
-            <a:ext cx="10515600" cy="3103022"/>
+            <a:off x="838200" y="2919940"/>
+            <a:ext cx="10515600" cy="2835967"/>
           </a:xfrm>
         </p:spPr>
         <p:txBody>
           <a:bodyPr>
-            <a:normAutofit/>
+            <a:normAutofit lnSpcReduction="10000"/>
           </a:bodyPr>
           <a:lstStyle/>
           <a:p>
@@ -5788,18 +5915,50 @@
             </a:r>
             <a:r>
               <a:rPr lang="en-US" sz="4000" baseline="0" dirty="0" smtClean="0"/>
-              <a:t> life’s work, given my education, talents, and career so far?</a:t>
-            </a:r>
-          </a:p>
-          <a:p>
-            <a:pPr lvl="1"/>
+              <a:t> life’s work, given my education, talents, and career so far</a:t>
+            </a:r>
+            <a:r>
+              <a:rPr lang="en-US" sz="4000" baseline="0" dirty="0" smtClean="0"/>
+              <a:t>?</a:t>
+            </a:r>
+          </a:p>
+          <a:p>
+            <a:pPr marL="0" indent="0">
+              <a:buNone/>
+            </a:pPr>
+            <a:endParaRPr lang="en-US" sz="2200" baseline="0" dirty="0" smtClean="0"/>
+          </a:p>
+          <a:p>
+            <a:pPr marL="457200" lvl="1" indent="0">
+              <a:buNone/>
+            </a:pPr>
             <a:r>
               <a:rPr lang="en-US" sz="3600" dirty="0" smtClean="0"/>
-              <a:t>Replaceable vs. unreplaceable work</a:t>
-            </a:r>
-          </a:p>
-          <a:p>
-            <a:pPr lvl="1"/>
+              <a:t>Replaceable vs. </a:t>
+            </a:r>
+            <a:r>
+              <a:rPr lang="en-US" sz="3600" dirty="0" err="1" smtClean="0"/>
+              <a:t>unreplaceable</a:t>
+            </a:r>
+            <a:r>
+              <a:rPr lang="en-US" sz="3600" dirty="0" smtClean="0"/>
+              <a:t> </a:t>
+            </a:r>
+            <a:r>
+              <a:rPr lang="en-US" sz="3600" dirty="0" smtClean="0"/>
+              <a:t>work</a:t>
+            </a:r>
+          </a:p>
+          <a:p>
+            <a:pPr marL="457200" lvl="1" indent="0">
+              <a:buNone/>
+            </a:pPr>
+            <a:endParaRPr lang="en-US" sz="1800" dirty="0" smtClean="0"/>
+          </a:p>
+          <a:p>
+            <a:pPr marL="457200" lvl="1" indent="0">
+              <a:buNone/>
+            </a:pPr>
             <a:r>
               <a:rPr lang="en-US" sz="3600" dirty="0" smtClean="0"/>
               <a:t>Funding work by others vs. working directly</a:t>
@@ -5830,7 +5989,7 @@
         </p:blipFill>
         <p:spPr bwMode="auto">
           <a:xfrm>
-            <a:off x="3931595" y="365125"/>
+            <a:off x="4172227" y="153370"/>
             <a:ext cx="3585334" cy="2509735"/>
           </a:xfrm>
           <a:prstGeom prst="rect">
@@ -5946,7 +6105,7 @@
         </p:blipFill>
         <p:spPr bwMode="auto">
           <a:xfrm>
-            <a:off x="643646" y="1221158"/>
+            <a:off x="643646" y="961283"/>
             <a:ext cx="4482412" cy="4323607"/>
           </a:xfrm>
           <a:prstGeom prst="rect">
@@ -5987,7 +6146,7 @@
         </p:blipFill>
         <p:spPr bwMode="auto">
           <a:xfrm>
-            <a:off x="6439711" y="773686"/>
+            <a:off x="6439711" y="706311"/>
             <a:ext cx="4632123" cy="4632123"/>
           </a:xfrm>
           <a:prstGeom prst="rect">
@@ -6052,18 +6211,22 @@
             <p:ph type="title"/>
           </p:nvPr>
         </p:nvSpPr>
-        <p:spPr/>
-        <p:txBody>
-          <a:bodyPr/>
-          <a:lstStyle/>
-          <a:p>
+        <p:spPr>
+          <a:xfrm>
+            <a:off x="828368" y="483112"/>
+            <a:ext cx="5437472" cy="1965120"/>
+          </a:xfrm>
+        </p:spPr>
+        <p:txBody>
+          <a:bodyPr>
+            <a:normAutofit/>
+          </a:bodyPr>
+          <a:lstStyle/>
+          <a:p>
+            <a:pPr algn="ctr"/>
             <a:r>
               <a:rPr lang="en-US" dirty="0" smtClean="0"/>
-              <a:t>A</a:t>
-            </a:r>
-            <a:r>
-              <a:rPr lang="en-US" baseline="0" dirty="0" smtClean="0"/>
-              <a:t>pproaches to charity funding</a:t>
+              <a:t>The current small-donor market: competing appeals</a:t>
             </a:r>
             <a:endParaRPr lang="en-US" dirty="0"/>
           </a:p>
@@ -6079,61 +6242,167 @@
             <p:ph type="body" idx="4294967295"/>
           </p:nvPr>
         </p:nvSpPr>
-        <p:spPr/>
-        <p:txBody>
-          <a:bodyPr/>
-          <a:lstStyle/>
-          <a:p>
-            <a:r>
-              <a:rPr lang="en-US" dirty="0" smtClean="0"/>
-              <a:t>Traditional, organization-focused:</a:t>
-            </a:r>
-            <a:r>
-              <a:rPr lang="en-US" baseline="0" dirty="0" smtClean="0"/>
-              <a:t> </a:t>
-            </a:r>
-          </a:p>
-          <a:p>
-            <a:pPr lvl="1"/>
-            <a:r>
-              <a:rPr lang="en-US" baseline="0" dirty="0" smtClean="0"/>
-              <a:t>Organizations do the most good they can given their organization’s scope and the will of their donors</a:t>
-            </a:r>
-          </a:p>
-          <a:p>
-            <a:pPr lvl="1"/>
-            <a:r>
-              <a:rPr lang="en-US" baseline="0" dirty="0" smtClean="0"/>
-              <a:t>Organizations seek donations by </a:t>
-            </a:r>
-            <a:r>
-              <a:rPr lang="en-US" dirty="0" smtClean="0"/>
-              <a:t>raising awareness of problems they are equipped to address</a:t>
-            </a:r>
-            <a:endParaRPr lang="en-US" baseline="0" dirty="0" smtClean="0"/>
-          </a:p>
-          <a:p>
-            <a:r>
-              <a:rPr lang="en-US" dirty="0" smtClean="0"/>
-              <a:t>An impact-driven market:</a:t>
-            </a:r>
-          </a:p>
-          <a:p>
-            <a:pPr lvl="1"/>
-            <a:r>
-              <a:rPr lang="en-US" dirty="0" smtClean="0"/>
-              <a:t>Independent organizations assess the suitability of charities to match donors’ intent</a:t>
-            </a:r>
-          </a:p>
-          <a:p>
-            <a:pPr lvl="1"/>
-            <a:r>
-              <a:rPr lang="en-US" dirty="0" smtClean="0"/>
-              <a:t>What if a donor market emerges that simply aims to efficiently reduce suffering and death by any means?</a:t>
-            </a:r>
-          </a:p>
-        </p:txBody>
-      </p:sp>
+        <p:spPr>
+          <a:xfrm>
+            <a:off x="838200" y="2833852"/>
+            <a:ext cx="5187215" cy="3343110"/>
+          </a:xfrm>
+        </p:spPr>
+        <p:txBody>
+          <a:bodyPr>
+            <a:normAutofit/>
+          </a:bodyPr>
+          <a:lstStyle/>
+          <a:p>
+            <a:pPr marL="457200" lvl="1" indent="0">
+              <a:buNone/>
+            </a:pPr>
+            <a:endParaRPr lang="en-US" sz="1800" baseline="0" dirty="0" smtClean="0"/>
+          </a:p>
+          <a:p>
+            <a:pPr marL="457200" lvl="1" indent="0">
+              <a:buNone/>
+            </a:pPr>
+            <a:r>
+              <a:rPr lang="en-US" sz="2800" baseline="0" dirty="0" smtClean="0"/>
+              <a:t>Organizations self-advocate and </a:t>
+            </a:r>
+            <a:r>
+              <a:rPr lang="en-US" sz="2800" dirty="0" smtClean="0"/>
+              <a:t>raise awareness of problems they are equipped to address</a:t>
+            </a:r>
+            <a:endParaRPr lang="en-US" sz="2800" baseline="0" dirty="0" smtClean="0"/>
+          </a:p>
+        </p:txBody>
+      </p:sp>
+      <p:pic>
+        <p:nvPicPr>
+          <p:cNvPr id="2050" name="Picture 2"/>
+          <p:cNvPicPr>
+            <a:picLocks noChangeAspect="1" noChangeArrowheads="1"/>
+          </p:cNvPicPr>
+          <p:nvPr/>
+        </p:nvPicPr>
+        <p:blipFill>
+          <a:blip r:embed="rId3">
+            <a:extLst>
+              <a:ext uri="{28A0092B-C50C-407E-A947-70E740481C1C}">
+                <a14:useLocalDpi xmlns:a14="http://schemas.microsoft.com/office/drawing/2010/main" val="0"/>
+              </a:ext>
+            </a:extLst>
+          </a:blip>
+          <a:srcRect/>
+          <a:stretch>
+            <a:fillRect/>
+          </a:stretch>
+        </p:blipFill>
+        <p:spPr bwMode="auto">
+          <a:xfrm>
+            <a:off x="7399515" y="3018503"/>
+            <a:ext cx="4792485" cy="6178264"/>
+          </a:xfrm>
+          <a:prstGeom prst="rect">
+            <a:avLst/>
+          </a:prstGeom>
+          <a:noFill/>
+          <a:ln>
+            <a:noFill/>
+          </a:ln>
+          <a:effectLst/>
+          <a:extLst>
+            <a:ext uri="{909E8E84-426E-40DD-AFC4-6F175D3DCCD1}">
+              <a14:hiddenFill xmlns:a14="http://schemas.microsoft.com/office/drawing/2010/main">
+                <a:solidFill>
+                  <a:schemeClr val="accent1"/>
+                </a:solidFill>
+              </a14:hiddenFill>
+            </a:ext>
+            <a:ext uri="{91240B29-F687-4F45-9708-019B960494DF}">
+              <a14:hiddenLine xmlns:a14="http://schemas.microsoft.com/office/drawing/2010/main" w="9525">
+                <a:solidFill>
+                  <a:schemeClr val="tx1"/>
+                </a:solidFill>
+                <a:miter lim="800000"/>
+                <a:headEnd/>
+                <a:tailEnd/>
+              </a14:hiddenLine>
+            </a:ext>
+            <a:ext uri="{AF507438-7753-43E0-B8FC-AC1667EBCBE1}">
+              <a14:hiddenEffects xmlns:a14="http://schemas.microsoft.com/office/drawing/2010/main">
+                <a:effectLst>
+                  <a:outerShdw dist="35921" dir="2700000" algn="ctr" rotWithShape="0">
+                    <a:schemeClr val="bg2"/>
+                  </a:outerShdw>
+                </a:effectLst>
+              </a14:hiddenEffects>
+            </a:ext>
+          </a:extLst>
+        </p:spPr>
+      </p:pic>
+      <p:pic>
+        <p:nvPicPr>
+          <p:cNvPr id="2051" name="Picture 3"/>
+          <p:cNvPicPr>
+            <a:picLocks noChangeAspect="1" noChangeArrowheads="1"/>
+          </p:cNvPicPr>
+          <p:nvPr/>
+        </p:nvPicPr>
+        <p:blipFill>
+          <a:blip r:embed="rId4">
+            <a:extLst>
+              <a:ext uri="{28A0092B-C50C-407E-A947-70E740481C1C}">
+                <a14:useLocalDpi xmlns:a14="http://schemas.microsoft.com/office/drawing/2010/main" val="0"/>
+              </a:ext>
+            </a:extLst>
+          </a:blip>
+          <a:srcRect/>
+          <a:stretch>
+            <a:fillRect/>
+          </a:stretch>
+        </p:blipFill>
+        <p:spPr bwMode="auto">
+          <a:xfrm>
+            <a:off x="6462560" y="214477"/>
+            <a:ext cx="6867525" cy="2619375"/>
+          </a:xfrm>
+          <a:prstGeom prst="rect">
+            <a:avLst/>
+          </a:prstGeom>
+          <a:noFill/>
+          <a:ln>
+            <a:noFill/>
+          </a:ln>
+          <a:effectLst/>
+          <a:extLst>
+            <a:ext uri="{909E8E84-426E-40DD-AFC4-6F175D3DCCD1}">
+              <a14:hiddenFill xmlns:a14="http://schemas.microsoft.com/office/drawing/2010/main">
+                <a:solidFill>
+                  <a:schemeClr val="accent1"/>
+                </a:solidFill>
+              </a14:hiddenFill>
+            </a:ext>
+            <a:ext uri="{91240B29-F687-4F45-9708-019B960494DF}">
+              <a14:hiddenLine xmlns:a14="http://schemas.microsoft.com/office/drawing/2010/main" w="9525">
+                <a:solidFill>
+                  <a:schemeClr val="tx1"/>
+                </a:solidFill>
+                <a:miter lim="800000"/>
+                <a:headEnd/>
+                <a:tailEnd/>
+              </a14:hiddenLine>
+            </a:ext>
+            <a:ext uri="{AF507438-7753-43E0-B8FC-AC1667EBCBE1}">
+              <a14:hiddenEffects xmlns:a14="http://schemas.microsoft.com/office/drawing/2010/main">
+                <a:effectLst>
+                  <a:outerShdw dist="35921" dir="2700000" algn="ctr" rotWithShape="0">
+                    <a:schemeClr val="bg2"/>
+                  </a:outerShdw>
+                </a:effectLst>
+              </a14:hiddenEffects>
+            </a:ext>
+          </a:extLst>
+        </p:spPr>
+      </p:pic>
     </p:spTree>
     <p:extLst>
       <p:ext uri="{BB962C8B-B14F-4D97-AF65-F5344CB8AC3E}">
@@ -6181,16 +6450,27 @@
             <p:ph type="title"/>
           </p:nvPr>
         </p:nvSpPr>
-        <p:spPr/>
-        <p:txBody>
-          <a:bodyPr/>
-          <a:lstStyle/>
-          <a:p>
-            <a:r>
-              <a:rPr lang="en-US" dirty="0" smtClean="0"/>
-              <a:t>Building an impact-focused donor market for charity programs</a:t>
-            </a:r>
-            <a:endParaRPr lang="en-US" dirty="0"/>
+        <p:spPr>
+          <a:xfrm>
+            <a:off x="522195" y="433139"/>
+            <a:ext cx="4665822" cy="1704307"/>
+          </a:xfrm>
+        </p:spPr>
+        <p:txBody>
+          <a:bodyPr>
+            <a:normAutofit fontScale="90000"/>
+          </a:bodyPr>
+          <a:lstStyle/>
+          <a:p>
+            <a:pPr marL="0" indent="0" algn="ctr"/>
+            <a:r>
+              <a:rPr lang="en-US" sz="4000" dirty="0" smtClean="0"/>
+              <a:t>An efficient </a:t>
+            </a:r>
+            <a:r>
+              <a:rPr lang="en-US" sz="4000" dirty="0"/>
+              <a:t>program-delivery market</a:t>
+            </a:r>
           </a:p>
         </p:txBody>
       </p:sp>
@@ -6204,51 +6484,112 @@
             <p:ph type="body" idx="4294967295"/>
           </p:nvPr>
         </p:nvSpPr>
-        <p:spPr/>
-        <p:txBody>
-          <a:bodyPr/>
-          <a:lstStyle/>
-          <a:p>
-            <a:r>
-              <a:rPr lang="en-US" dirty="0" smtClean="0"/>
-              <a:t>Giving</a:t>
-            </a:r>
-            <a:r>
-              <a:rPr lang="en-US" baseline="0" dirty="0" smtClean="0"/>
-              <a:t> What We Can, The Life You Can Save (encourage donations among impact-focused individuals)</a:t>
-            </a:r>
-          </a:p>
-          <a:p>
-            <a:r>
-              <a:rPr lang="en-US" baseline="0" dirty="0" err="1" smtClean="0"/>
-              <a:t>GiveWell</a:t>
-            </a:r>
-            <a:r>
-              <a:rPr lang="en-US" baseline="0" dirty="0" smtClean="0"/>
-              <a:t> (point impact donors</a:t>
-            </a:r>
-            <a:r>
-              <a:rPr lang="en-US" dirty="0" smtClean="0"/>
-              <a:t> to the right charities)</a:t>
-            </a:r>
-            <a:endParaRPr lang="en-US" baseline="0" dirty="0" smtClean="0"/>
-          </a:p>
-          <a:p>
-            <a:r>
-              <a:rPr lang="en-US" baseline="0" dirty="0" smtClean="0"/>
-              <a:t>Philanthropic advisors? (could</a:t>
-            </a:r>
-            <a:r>
-              <a:rPr lang="en-US" dirty="0" smtClean="0"/>
-              <a:t> nudge major donors in an impact-oriented direction)</a:t>
-            </a:r>
-          </a:p>
-        </p:txBody>
-      </p:sp>
+        <p:spPr>
+          <a:xfrm>
+            <a:off x="395058" y="2281187"/>
+            <a:ext cx="4705952" cy="3397718"/>
+          </a:xfrm>
+        </p:spPr>
+        <p:txBody>
+          <a:bodyPr>
+            <a:normAutofit/>
+          </a:bodyPr>
+          <a:lstStyle/>
+          <a:p>
+            <a:pPr marL="457200" lvl="1" indent="0">
+              <a:buNone/>
+            </a:pPr>
+            <a:r>
+              <a:rPr lang="en-US" sz="2800" dirty="0"/>
+              <a:t>Organizations transparently self-assess and experiment</a:t>
+            </a:r>
+          </a:p>
+          <a:p>
+            <a:pPr marL="457200" lvl="1" indent="0">
+              <a:buNone/>
+            </a:pPr>
+            <a:endParaRPr lang="en-US" sz="2800" dirty="0" smtClean="0"/>
+          </a:p>
+          <a:p>
+            <a:pPr marL="457200" lvl="1" indent="0">
+              <a:buNone/>
+            </a:pPr>
+            <a:r>
+              <a:rPr lang="en-US" sz="2800" dirty="0" smtClean="0"/>
+              <a:t>Independent evaluators assess the effectiveness of interventions and the efficiency of organizations that deliver them</a:t>
+            </a:r>
+            <a:endParaRPr lang="en-US" sz="2800" dirty="0"/>
+          </a:p>
+        </p:txBody>
+      </p:sp>
+      <p:pic>
+        <p:nvPicPr>
+          <p:cNvPr id="1026" name="Picture 2"/>
+          <p:cNvPicPr>
+            <a:picLocks noChangeAspect="1" noChangeArrowheads="1"/>
+          </p:cNvPicPr>
+          <p:nvPr/>
+        </p:nvPicPr>
+        <p:blipFill>
+          <a:blip r:embed="rId3">
+            <a:extLst>
+              <a:ext uri="{28A0092B-C50C-407E-A947-70E740481C1C}">
+                <a14:useLocalDpi xmlns:a14="http://schemas.microsoft.com/office/drawing/2010/main" val="0"/>
+              </a:ext>
+            </a:extLst>
+          </a:blip>
+          <a:srcRect/>
+          <a:stretch>
+            <a:fillRect/>
+          </a:stretch>
+        </p:blipFill>
+        <p:spPr bwMode="auto">
+          <a:xfrm>
+            <a:off x="5264639" y="433139"/>
+            <a:ext cx="6852417" cy="5595536"/>
+          </a:xfrm>
+          <a:prstGeom prst="rect">
+            <a:avLst/>
+          </a:prstGeom>
+          <a:noFill/>
+          <a:ln>
+            <a:noFill/>
+          </a:ln>
+          <a:effectLst/>
+          <a:extLst>
+            <a:ext uri="{909E8E84-426E-40DD-AFC4-6F175D3DCCD1}">
+              <a14:hiddenFill xmlns:a14="http://schemas.microsoft.com/office/drawing/2010/main">
+                <a:solidFill>
+                  <a:schemeClr val="accent1"/>
+                </a:solidFill>
+              </a14:hiddenFill>
+            </a:ext>
+            <a:ext uri="{91240B29-F687-4F45-9708-019B960494DF}">
+              <a14:hiddenLine xmlns:a14="http://schemas.microsoft.com/office/drawing/2010/main" w="9525">
+                <a:solidFill>
+                  <a:schemeClr val="tx1"/>
+                </a:solidFill>
+                <a:miter lim="800000"/>
+                <a:headEnd/>
+                <a:tailEnd/>
+              </a14:hiddenLine>
+            </a:ext>
+            <a:ext uri="{AF507438-7753-43E0-B8FC-AC1667EBCBE1}">
+              <a14:hiddenEffects xmlns:a14="http://schemas.microsoft.com/office/drawing/2010/main">
+                <a:effectLst>
+                  <a:outerShdw dist="35921" dir="2700000" algn="ctr" rotWithShape="0">
+                    <a:schemeClr val="bg2"/>
+                  </a:outerShdw>
+                </a:effectLst>
+              </a14:hiddenEffects>
+            </a:ext>
+          </a:extLst>
+        </p:spPr>
+      </p:pic>
     </p:spTree>
     <p:extLst>
       <p:ext uri="{BB962C8B-B14F-4D97-AF65-F5344CB8AC3E}">
-        <p14:creationId xmlns:p14="http://schemas.microsoft.com/office/powerpoint/2010/main" val="659006946"/>
+        <p14:creationId xmlns:p14="http://schemas.microsoft.com/office/powerpoint/2010/main" val="2610149004"/>
       </p:ext>
     </p:extLst>
   </p:cSld>
@@ -6299,6 +6640,117 @@
           <a:p>
             <a:r>
               <a:rPr lang="en-US" dirty="0" smtClean="0"/>
+              <a:t>Building an impact-focused donor market for charity programs</a:t>
+            </a:r>
+            <a:endParaRPr lang="en-US" dirty="0"/>
+          </a:p>
+        </p:txBody>
+      </p:sp>
+      <p:sp>
+        <p:nvSpPr>
+          <p:cNvPr id="3" name="Text Placeholder 2"/>
+          <p:cNvSpPr>
+            <a:spLocks noGrp="1"/>
+          </p:cNvSpPr>
+          <p:nvPr>
+            <p:ph type="body" idx="4294967295"/>
+          </p:nvPr>
+        </p:nvSpPr>
+        <p:spPr/>
+        <p:txBody>
+          <a:bodyPr/>
+          <a:lstStyle/>
+          <a:p>
+            <a:r>
+              <a:rPr lang="en-US" dirty="0" smtClean="0"/>
+              <a:t>Giving</a:t>
+            </a:r>
+            <a:r>
+              <a:rPr lang="en-US" baseline="0" dirty="0" smtClean="0"/>
+              <a:t> What We Can, The Life You Can Save (encourage donations among impact-focused individuals)</a:t>
+            </a:r>
+          </a:p>
+          <a:p>
+            <a:r>
+              <a:rPr lang="en-US" baseline="0" dirty="0" err="1" smtClean="0"/>
+              <a:t>GiveWell</a:t>
+            </a:r>
+            <a:r>
+              <a:rPr lang="en-US" baseline="0" dirty="0" smtClean="0"/>
+              <a:t> (point impact donors</a:t>
+            </a:r>
+            <a:r>
+              <a:rPr lang="en-US" dirty="0" smtClean="0"/>
+              <a:t> to the right charities)</a:t>
+            </a:r>
+            <a:endParaRPr lang="en-US" baseline="0" dirty="0" smtClean="0"/>
+          </a:p>
+          <a:p>
+            <a:r>
+              <a:rPr lang="en-US" baseline="0" dirty="0" smtClean="0"/>
+              <a:t>Philanthropic advisors? (could</a:t>
+            </a:r>
+            <a:r>
+              <a:rPr lang="en-US" dirty="0" smtClean="0"/>
+              <a:t> nudge major donors in an impact-oriented direction)</a:t>
+            </a:r>
+          </a:p>
+        </p:txBody>
+      </p:sp>
+    </p:spTree>
+    <p:extLst>
+      <p:ext uri="{BB962C8B-B14F-4D97-AF65-F5344CB8AC3E}">
+        <p14:creationId xmlns:p14="http://schemas.microsoft.com/office/powerpoint/2010/main" val="659006946"/>
+      </p:ext>
+    </p:extLst>
+  </p:cSld>
+  <p:clrMapOvr>
+    <a:masterClrMapping/>
+  </p:clrMapOvr>
+  <p:timing>
+    <p:tnLst>
+      <p:par>
+        <p:cTn id="1" dur="indefinite" restart="never" nodeType="tmRoot"/>
+      </p:par>
+    </p:tnLst>
+  </p:timing>
+</p:sld>
+</file>
+
+<file path=ppt/slides/slide15.xml><?xml version="1.0" encoding="utf-8"?>
+<p:sld xmlns:a="http://schemas.openxmlformats.org/drawingml/2006/main" xmlns:r="http://schemas.openxmlformats.org/officeDocument/2006/relationships" xmlns:p="http://schemas.openxmlformats.org/presentationml/2006/main">
+  <p:cSld>
+    <p:spTree>
+      <p:nvGrpSpPr>
+        <p:cNvPr id="1" name=""/>
+        <p:cNvGrpSpPr/>
+        <p:nvPr/>
+      </p:nvGrpSpPr>
+      <p:grpSpPr>
+        <a:xfrm>
+          <a:off x="0" y="0"/>
+          <a:ext cx="0" cy="0"/>
+          <a:chOff x="0" y="0"/>
+          <a:chExt cx="0" cy="0"/>
+        </a:xfrm>
+      </p:grpSpPr>
+      <p:sp>
+        <p:nvSpPr>
+          <p:cNvPr id="2" name="Title 1"/>
+          <p:cNvSpPr>
+            <a:spLocks noGrp="1"/>
+          </p:cNvSpPr>
+          <p:nvPr>
+            <p:ph type="title"/>
+          </p:nvPr>
+        </p:nvSpPr>
+        <p:spPr/>
+        <p:txBody>
+          <a:bodyPr/>
+          <a:lstStyle/>
+          <a:p>
+            <a:r>
+              <a:rPr lang="en-US" dirty="0" smtClean="0"/>
               <a:t>Philosophical questions</a:t>
             </a:r>
             <a:endParaRPr lang="en-US" dirty="0"/>
@@ -6387,7 +6839,7 @@
 </p:sld>
 </file>
 
-<file path=ppt/slides/slide15.xml><?xml version="1.0" encoding="utf-8"?>
+<file path=ppt/slides/slide16.xml><?xml version="1.0" encoding="utf-8"?>
 <p:sld xmlns:a="http://schemas.openxmlformats.org/drawingml/2006/main" xmlns:r="http://schemas.openxmlformats.org/officeDocument/2006/relationships" xmlns:p="http://schemas.openxmlformats.org/presentationml/2006/main">
   <p:cSld>
     <p:spTree>
@@ -6501,134 +6953,6 @@
 </p:sld>
 </file>
 
-<file path=ppt/slides/slide16.xml><?xml version="1.0" encoding="utf-8"?>
-<p:sld xmlns:a="http://schemas.openxmlformats.org/drawingml/2006/main" xmlns:r="http://schemas.openxmlformats.org/officeDocument/2006/relationships" xmlns:p="http://schemas.openxmlformats.org/presentationml/2006/main">
-  <p:cSld>
-    <p:spTree>
-      <p:nvGrpSpPr>
-        <p:cNvPr id="1" name=""/>
-        <p:cNvGrpSpPr/>
-        <p:nvPr/>
-      </p:nvGrpSpPr>
-      <p:grpSpPr>
-        <a:xfrm>
-          <a:off x="0" y="0"/>
-          <a:ext cx="0" cy="0"/>
-          <a:chOff x="0" y="0"/>
-          <a:chExt cx="0" cy="0"/>
-        </a:xfrm>
-      </p:grpSpPr>
-      <p:sp>
-        <p:nvSpPr>
-          <p:cNvPr id="2" name="Title 1"/>
-          <p:cNvSpPr>
-            <a:spLocks noGrp="1"/>
-          </p:cNvSpPr>
-          <p:nvPr>
-            <p:ph type="title"/>
-          </p:nvPr>
-        </p:nvSpPr>
-        <p:spPr/>
-        <p:txBody>
-          <a:bodyPr/>
-          <a:lstStyle/>
-          <a:p>
-            <a:r>
-              <a:rPr lang="en-US" dirty="0" smtClean="0"/>
-              <a:t>Economic and logistic questions</a:t>
-            </a:r>
-            <a:endParaRPr lang="en-US" dirty="0"/>
-          </a:p>
-        </p:txBody>
-      </p:sp>
-      <p:sp>
-        <p:nvSpPr>
-          <p:cNvPr id="3" name="Content Placeholder 2"/>
-          <p:cNvSpPr>
-            <a:spLocks noGrp="1"/>
-          </p:cNvSpPr>
-          <p:nvPr>
-            <p:ph idx="1"/>
-          </p:nvPr>
-        </p:nvSpPr>
-        <p:spPr/>
-        <p:txBody>
-          <a:bodyPr/>
-          <a:lstStyle/>
-          <a:p>
-            <a:r>
-              <a:rPr lang="en-US" dirty="0" smtClean="0"/>
-              <a:t>What charities make the best use of donations?</a:t>
-            </a:r>
-          </a:p>
-          <a:p>
-            <a:pPr lvl="1"/>
-            <a:r>
-              <a:rPr lang="en-US" dirty="0" smtClean="0"/>
-              <a:t>Impact of aims</a:t>
-            </a:r>
-          </a:p>
-          <a:p>
-            <a:pPr lvl="1"/>
-            <a:r>
-              <a:rPr lang="en-US" dirty="0" smtClean="0"/>
-              <a:t>Program types</a:t>
-            </a:r>
-          </a:p>
-          <a:p>
-            <a:pPr lvl="1"/>
-            <a:r>
-              <a:rPr lang="en-US" dirty="0" smtClean="0"/>
-              <a:t>Transparency, outcome measurement, experimentation</a:t>
-            </a:r>
-          </a:p>
-          <a:p>
-            <a:r>
-              <a:rPr lang="en-US" dirty="0" smtClean="0"/>
-              <a:t>As an individual,</a:t>
-            </a:r>
-            <a:r>
-              <a:rPr lang="en-US" baseline="0" dirty="0" smtClean="0"/>
-              <a:t> is the work that I do:</a:t>
-            </a:r>
-          </a:p>
-          <a:p>
-            <a:pPr lvl="1"/>
-            <a:r>
-              <a:rPr lang="en-US" dirty="0" smtClean="0"/>
-              <a:t>Replaceable?</a:t>
-            </a:r>
-          </a:p>
-          <a:p>
-            <a:pPr lvl="1"/>
-            <a:r>
-              <a:rPr lang="en-US" dirty="0" smtClean="0"/>
-              <a:t>High-impact?</a:t>
-            </a:r>
-            <a:endParaRPr lang="en-US" dirty="0"/>
-          </a:p>
-        </p:txBody>
-      </p:sp>
-    </p:spTree>
-    <p:extLst>
-      <p:ext uri="{BB962C8B-B14F-4D97-AF65-F5344CB8AC3E}">
-        <p14:creationId xmlns:p14="http://schemas.microsoft.com/office/powerpoint/2010/main" val="1894896887"/>
-      </p:ext>
-    </p:extLst>
-  </p:cSld>
-  <p:clrMapOvr>
-    <a:masterClrMapping/>
-  </p:clrMapOvr>
-  <p:timing>
-    <p:tnLst>
-      <p:par>
-        <p:cTn id="1" dur="indefinite" restart="never" nodeType="tmRoot"/>
-      </p:par>
-    </p:tnLst>
-  </p:timing>
-</p:sld>
-</file>
-
 <file path=ppt/slides/slide17.xml><?xml version="1.0" encoding="utf-8"?>
 <p:sld xmlns:a="http://schemas.openxmlformats.org/drawingml/2006/main" xmlns:r="http://schemas.openxmlformats.org/officeDocument/2006/relationships" xmlns:p="http://schemas.openxmlformats.org/presentationml/2006/main">
   <p:cSld>
@@ -6663,42 +6987,84 @@
           <a:p>
             <a:r>
               <a:rPr lang="en-US" dirty="0" smtClean="0"/>
-              <a:t>A few organizations</a:t>
+              <a:t>Economic and logistic questions</a:t>
+            </a:r>
+            <a:endParaRPr lang="en-US" dirty="0"/>
+          </a:p>
+        </p:txBody>
+      </p:sp>
+      <p:sp>
+        <p:nvSpPr>
+          <p:cNvPr id="3" name="Content Placeholder 2"/>
+          <p:cNvSpPr>
+            <a:spLocks noGrp="1"/>
+          </p:cNvSpPr>
+          <p:nvPr>
+            <p:ph idx="1"/>
+          </p:nvPr>
+        </p:nvSpPr>
+        <p:spPr/>
+        <p:txBody>
+          <a:bodyPr/>
+          <a:lstStyle/>
+          <a:p>
+            <a:r>
+              <a:rPr lang="en-US" dirty="0" smtClean="0"/>
+              <a:t>What charities make the best use of donations?</a:t>
+            </a:r>
+          </a:p>
+          <a:p>
+            <a:pPr lvl="1"/>
+            <a:r>
+              <a:rPr lang="en-US" dirty="0" smtClean="0"/>
+              <a:t>Impact of aims</a:t>
+            </a:r>
+          </a:p>
+          <a:p>
+            <a:pPr lvl="1"/>
+            <a:r>
+              <a:rPr lang="en-US" dirty="0" smtClean="0"/>
+              <a:t>Program types</a:t>
+            </a:r>
+          </a:p>
+          <a:p>
+            <a:pPr lvl="1"/>
+            <a:r>
+              <a:rPr lang="en-US" dirty="0" smtClean="0"/>
+              <a:t>Transparency, outcome measurement, experimentation</a:t>
+            </a:r>
+          </a:p>
+          <a:p>
+            <a:r>
+              <a:rPr lang="en-US" dirty="0" smtClean="0"/>
+              <a:t>As an individual,</a:t>
             </a:r>
             <a:r>
               <a:rPr lang="en-US" baseline="0" dirty="0" smtClean="0"/>
-              <a:t> in the Effective Altruist movement</a:t>
+              <a:t> is the work that I do:</a:t>
+            </a:r>
+          </a:p>
+          <a:p>
+            <a:pPr lvl="1"/>
+            <a:r>
+              <a:rPr lang="en-US" dirty="0" smtClean="0"/>
+              <a:t>Replaceable?</a:t>
+            </a:r>
+          </a:p>
+          <a:p>
+            <a:pPr lvl="1"/>
+            <a:r>
+              <a:rPr lang="en-US" dirty="0" smtClean="0"/>
+              <a:t>High-impact?</a:t>
             </a:r>
             <a:endParaRPr lang="en-US" dirty="0"/>
-          </a:p>
-        </p:txBody>
-      </p:sp>
-      <p:sp>
-        <p:nvSpPr>
-          <p:cNvPr id="3" name="Text Placeholder 2"/>
-          <p:cNvSpPr>
-            <a:spLocks noGrp="1"/>
-          </p:cNvSpPr>
-          <p:nvPr>
-            <p:ph type="body" idx="4294967295"/>
-          </p:nvPr>
-        </p:nvSpPr>
-        <p:spPr/>
-        <p:txBody>
-          <a:bodyPr/>
-          <a:lstStyle/>
-          <a:p>
-            <a:r>
-              <a:rPr lang="en-US" dirty="0" smtClean="0"/>
-              <a:t>Provide the kind of analysis that helps us do the most good we can</a:t>
-            </a:r>
           </a:p>
         </p:txBody>
       </p:sp>
     </p:spTree>
     <p:extLst>
       <p:ext uri="{BB962C8B-B14F-4D97-AF65-F5344CB8AC3E}">
-        <p14:creationId xmlns:p14="http://schemas.microsoft.com/office/powerpoint/2010/main" val="1813729823"/>
+        <p14:creationId xmlns:p14="http://schemas.microsoft.com/office/powerpoint/2010/main" val="1894896887"/>
       </p:ext>
     </p:extLst>
   </p:cSld>
@@ -6749,7 +7115,11 @@
           <a:p>
             <a:r>
               <a:rPr lang="en-US" dirty="0" smtClean="0"/>
-              <a:t>Major ethical tenets</a:t>
+              <a:t>A few organizations</a:t>
+            </a:r>
+            <a:r>
+              <a:rPr lang="en-US" baseline="0" dirty="0" smtClean="0"/>
+              <a:t> in the Effective Altruist movement</a:t>
             </a:r>
             <a:endParaRPr lang="en-US" dirty="0"/>
           </a:p>
@@ -6765,74 +7135,14 @@
             <p:ph type="body" idx="4294967295"/>
           </p:nvPr>
         </p:nvSpPr>
-        <p:spPr>
-          <a:xfrm>
-            <a:off x="838200" y="1825625"/>
-            <a:ext cx="10515600" cy="3736975"/>
-          </a:xfrm>
-        </p:spPr>
-        <p:txBody>
-          <a:bodyPr>
-            <a:normAutofit fontScale="70000" lnSpcReduction="20000"/>
-          </a:bodyPr>
+        <p:spPr/>
+        <p:txBody>
+          <a:bodyPr/>
           <a:lstStyle/>
           <a:p>
             <a:r>
               <a:rPr lang="en-US" dirty="0" smtClean="0"/>
-              <a:t>Our intuitions about how to do the most good can be wrong</a:t>
-            </a:r>
-          </a:p>
-          <a:p>
-            <a:pPr lvl="1"/>
-            <a:r>
-              <a:rPr lang="en-US" dirty="0" smtClean="0"/>
-              <a:t>E.g., scope insensitivity</a:t>
-            </a:r>
-          </a:p>
-          <a:p>
-            <a:pPr lvl="1"/>
-            <a:r>
-              <a:rPr lang="en-US" dirty="0" smtClean="0"/>
-              <a:t>Ethics built for social behavior in kin-based foraging societies</a:t>
-            </a:r>
-          </a:p>
-          <a:p>
-            <a:pPr lvl="1"/>
-            <a:r>
-              <a:rPr lang="en-US" dirty="0" smtClean="0"/>
-              <a:t>Applying reason</a:t>
-            </a:r>
-          </a:p>
-          <a:p>
-            <a:r>
-              <a:rPr lang="en-US" dirty="0" smtClean="0"/>
-              <a:t>The amount of good we (citizens of affluent nations) can do is greater than usually recognized</a:t>
-            </a:r>
-          </a:p>
-          <a:p>
-            <a:r>
-              <a:rPr lang="en-US" dirty="0" smtClean="0"/>
-              <a:t>The amount we can increase our own comfort is insignificant compared to the amount of good we can do for others</a:t>
-            </a:r>
-          </a:p>
-          <a:p>
-            <a:r>
-              <a:rPr lang="en-US" dirty="0" smtClean="0"/>
-              <a:t>Morally, we should use our resources to help as much as we can (we’ll still be much more comfortable than most people)</a:t>
-            </a:r>
-          </a:p>
-          <a:p>
-            <a:pPr lvl="1"/>
-            <a:r>
-              <a:rPr lang="en-US" dirty="0" smtClean="0"/>
-              <a:t>When we help others, we shouldn’t be biased by similarity of others to ourselves (so we should only help those in our own communities if we can do more good for them than we could do elsewhere)</a:t>
-            </a:r>
-          </a:p>
-          <a:p>
-            <a:pPr lvl="1"/>
-            <a:r>
-              <a:rPr lang="en-US" dirty="0" smtClean="0"/>
-              <a:t>We should avoid unnecessary waste (earn to give if it’s more efficient than direct work; donate to charities with demonstrable efficiency)</a:t>
+              <a:t>Provide the kind of analysis that helps us do the most good we can</a:t>
             </a:r>
           </a:p>
         </p:txBody>
@@ -6840,7 +7150,7 @@
     </p:spTree>
     <p:extLst>
       <p:ext uri="{BB962C8B-B14F-4D97-AF65-F5344CB8AC3E}">
-        <p14:creationId xmlns:p14="http://schemas.microsoft.com/office/powerpoint/2010/main" val="835831201"/>
+        <p14:creationId xmlns:p14="http://schemas.microsoft.com/office/powerpoint/2010/main" val="1813729823"/>
       </p:ext>
     </p:extLst>
   </p:cSld>
@@ -6891,11 +7201,7 @@
           <a:p>
             <a:r>
               <a:rPr lang="en-US" dirty="0" smtClean="0"/>
-              <a:t>Etc. (more watermark</a:t>
-            </a:r>
-            <a:r>
-              <a:rPr lang="en-US" baseline="0" dirty="0" smtClean="0"/>
-              <a:t> slides)</a:t>
+              <a:t>Major ethical tenets</a:t>
             </a:r>
             <a:endParaRPr lang="en-US" dirty="0"/>
           </a:p>
@@ -6911,19 +7217,82 @@
             <p:ph type="body" idx="4294967295"/>
           </p:nvPr>
         </p:nvSpPr>
-        <p:spPr/>
-        <p:txBody>
-          <a:bodyPr/>
-          <a:lstStyle/>
-          <a:p>
-            <a:endParaRPr lang="en-US" dirty="0" smtClean="0"/>
+        <p:spPr>
+          <a:xfrm>
+            <a:off x="838200" y="1825625"/>
+            <a:ext cx="10515600" cy="3736975"/>
+          </a:xfrm>
+        </p:spPr>
+        <p:txBody>
+          <a:bodyPr>
+            <a:normAutofit fontScale="70000" lnSpcReduction="20000"/>
+          </a:bodyPr>
+          <a:lstStyle/>
+          <a:p>
+            <a:r>
+              <a:rPr lang="en-US" dirty="0" smtClean="0"/>
+              <a:t>Our intuitions about how to do the most good can be wrong</a:t>
+            </a:r>
+          </a:p>
+          <a:p>
+            <a:pPr lvl="1"/>
+            <a:r>
+              <a:rPr lang="en-US" dirty="0" smtClean="0"/>
+              <a:t>E.g., scope insensitivity</a:t>
+            </a:r>
+          </a:p>
+          <a:p>
+            <a:pPr lvl="1"/>
+            <a:r>
+              <a:rPr lang="en-US" dirty="0" smtClean="0"/>
+              <a:t>Ethics built for social behavior in kin-based foraging societies</a:t>
+            </a:r>
+          </a:p>
+          <a:p>
+            <a:pPr lvl="1"/>
+            <a:r>
+              <a:rPr lang="en-US" dirty="0" smtClean="0"/>
+              <a:t>Applying reason</a:t>
+            </a:r>
+          </a:p>
+          <a:p>
+            <a:r>
+              <a:rPr lang="en-US" dirty="0" smtClean="0"/>
+              <a:t>The amount of good we (citizens of affluent nations) can do is greater than usually recognized</a:t>
+            </a:r>
+          </a:p>
+          <a:p>
+            <a:r>
+              <a:rPr lang="en-US" dirty="0" smtClean="0"/>
+              <a:t>The amount we can increase our own comfort is insignificant compared to the amount of good we can do for others</a:t>
+            </a:r>
+          </a:p>
+          <a:p>
+            <a:r>
+              <a:rPr lang="en-US" dirty="0" smtClean="0"/>
+              <a:t>Morally, we should use our resources to help as much as we can (we’ll still be much more comfortable than most people)</a:t>
+            </a:r>
+          </a:p>
+          <a:p>
+            <a:pPr lvl="1"/>
+            <a:r>
+              <a:rPr lang="en-US" dirty="0" smtClean="0"/>
+              <a:t>When we help others, we shouldn’t be biased by similarity of others to ourselves (so we should only help those in our own communities if we can do more good for them than we could do elsewhere)</a:t>
+            </a:r>
+          </a:p>
+          <a:p>
+            <a:pPr lvl="1"/>
+            <a:r>
+              <a:rPr lang="en-US" dirty="0" smtClean="0"/>
+              <a:t>We should avoid unnecessary waste (earn to give if it’s more efficient than direct work; donate to charities with demonstrable efficiency)</a:t>
+            </a:r>
           </a:p>
         </p:txBody>
       </p:sp>
     </p:spTree>
     <p:extLst>
       <p:ext uri="{BB962C8B-B14F-4D97-AF65-F5344CB8AC3E}">
-        <p14:creationId xmlns:p14="http://schemas.microsoft.com/office/powerpoint/2010/main" val="2080254891"/>
+        <p14:creationId xmlns:p14="http://schemas.microsoft.com/office/powerpoint/2010/main" val="835831201"/>
       </p:ext>
     </p:extLst>
   </p:cSld>
@@ -6993,12 +7362,12 @@
         <p:spPr>
           <a:xfrm>
             <a:off x="838200" y="1825625"/>
-            <a:ext cx="6104203" cy="4094728"/>
+            <a:ext cx="6217118" cy="4094728"/>
           </a:xfrm>
         </p:spPr>
         <p:txBody>
           <a:bodyPr>
-            <a:normAutofit fontScale="92500" lnSpcReduction="10000"/>
+            <a:normAutofit fontScale="77500" lnSpcReduction="20000"/>
           </a:bodyPr>
           <a:lstStyle/>
           <a:p>
@@ -7019,22 +7388,69 @@
             </a:r>
             <a:r>
               <a:rPr lang="en-US" sz="4000" baseline="0" dirty="0" smtClean="0"/>
-              <a:t>lives and prevent a great deal of suffering, unless we:</a:t>
-            </a:r>
-          </a:p>
-          <a:p>
-            <a:pPr lvl="1"/>
-            <a:r>
-              <a:rPr lang="en-US" sz="3600" dirty="0" smtClean="0"/>
-              <a:t>Don’t know how to use our resources effectively</a:t>
-            </a:r>
-          </a:p>
-          <a:p>
-            <a:pPr lvl="1"/>
-            <a:r>
-              <a:rPr lang="en-US" sz="3600" baseline="0" dirty="0" smtClean="0"/>
-              <a:t>Decide not to.</a:t>
-            </a:r>
+              <a:t>lives and prevent a great deal of suffering, unless we</a:t>
+            </a:r>
+            <a:r>
+              <a:rPr lang="en-US" sz="4000" baseline="0" dirty="0" smtClean="0"/>
+              <a:t>:</a:t>
+            </a:r>
+            <a:br>
+              <a:rPr lang="en-US" sz="4000" baseline="0" dirty="0" smtClean="0"/>
+            </a:br>
+            <a:endParaRPr lang="en-US" sz="4000" baseline="0" dirty="0" smtClean="0"/>
+          </a:p>
+          <a:p>
+            <a:pPr marL="457200" lvl="1" indent="0">
+              <a:buNone/>
+            </a:pPr>
+            <a:r>
+              <a:rPr lang="en-US" sz="4100" b="1" dirty="0" smtClean="0"/>
+              <a:t>Don’t know how to use our resources </a:t>
+            </a:r>
+            <a:r>
+              <a:rPr lang="en-US" sz="4100" b="1" dirty="0" smtClean="0"/>
+              <a:t>effectively</a:t>
+            </a:r>
+            <a:br>
+              <a:rPr lang="en-US" sz="4100" b="1" dirty="0" smtClean="0"/>
+            </a:br>
+            <a:r>
+              <a:rPr lang="en-US" sz="3600" b="1" dirty="0" smtClean="0"/>
+              <a:t/>
+            </a:r>
+            <a:br>
+              <a:rPr lang="en-US" sz="3600" b="1" dirty="0" smtClean="0"/>
+            </a:br>
+            <a:r>
+              <a:rPr lang="en-US" sz="3600" b="1" dirty="0" smtClean="0"/>
+              <a:t>             </a:t>
+            </a:r>
+            <a:r>
+              <a:rPr lang="en-US" sz="3600" i="1" dirty="0" smtClean="0"/>
+              <a:t>or</a:t>
+            </a:r>
+            <a:br>
+              <a:rPr lang="en-US" sz="3600" i="1" dirty="0" smtClean="0"/>
+            </a:br>
+            <a:endParaRPr lang="en-US" sz="3600" i="1" dirty="0" smtClean="0"/>
+          </a:p>
+          <a:p>
+            <a:pPr marL="457200" lvl="1" indent="0">
+              <a:buNone/>
+            </a:pPr>
+            <a:r>
+              <a:rPr lang="en-US" sz="4100" b="1" baseline="0" dirty="0" smtClean="0"/>
+              <a:t>Decide </a:t>
+            </a:r>
+            <a:r>
+              <a:rPr lang="en-US" sz="4100" b="1" baseline="0" dirty="0" smtClean="0"/>
+              <a:t>not </a:t>
+            </a:r>
+            <a:r>
+              <a:rPr lang="en-US" sz="4100" b="1" baseline="0" dirty="0" smtClean="0"/>
+              <a:t>to</a:t>
+            </a:r>
+            <a:endParaRPr lang="en-US" sz="4100" b="1" baseline="0" dirty="0" smtClean="0"/>
           </a:p>
         </p:txBody>
       </p:sp>
@@ -7192,6 +7608,89 @@
           <a:bodyPr/>
           <a:lstStyle/>
           <a:p>
+            <a:r>
+              <a:rPr lang="en-US" dirty="0" smtClean="0"/>
+              <a:t>Etc. (more watermark</a:t>
+            </a:r>
+            <a:r>
+              <a:rPr lang="en-US" baseline="0" dirty="0" smtClean="0"/>
+              <a:t> slides)</a:t>
+            </a:r>
+            <a:endParaRPr lang="en-US" dirty="0"/>
+          </a:p>
+        </p:txBody>
+      </p:sp>
+      <p:sp>
+        <p:nvSpPr>
+          <p:cNvPr id="3" name="Text Placeholder 2"/>
+          <p:cNvSpPr>
+            <a:spLocks noGrp="1"/>
+          </p:cNvSpPr>
+          <p:nvPr>
+            <p:ph type="body" idx="4294967295"/>
+          </p:nvPr>
+        </p:nvSpPr>
+        <p:spPr/>
+        <p:txBody>
+          <a:bodyPr/>
+          <a:lstStyle/>
+          <a:p>
+            <a:endParaRPr lang="en-US" dirty="0" smtClean="0"/>
+          </a:p>
+        </p:txBody>
+      </p:sp>
+    </p:spTree>
+    <p:extLst>
+      <p:ext uri="{BB962C8B-B14F-4D97-AF65-F5344CB8AC3E}">
+        <p14:creationId xmlns:p14="http://schemas.microsoft.com/office/powerpoint/2010/main" val="2080254891"/>
+      </p:ext>
+    </p:extLst>
+  </p:cSld>
+  <p:clrMapOvr>
+    <a:masterClrMapping/>
+  </p:clrMapOvr>
+  <p:timing>
+    <p:tnLst>
+      <p:par>
+        <p:cTn id="1" dur="indefinite" restart="never" nodeType="tmRoot"/>
+      </p:par>
+    </p:tnLst>
+  </p:timing>
+</p:sld>
+</file>
+
+<file path=ppt/slides/slide21.xml><?xml version="1.0" encoding="utf-8"?>
+<p:sld xmlns:a="http://schemas.openxmlformats.org/drawingml/2006/main" xmlns:r="http://schemas.openxmlformats.org/officeDocument/2006/relationships" xmlns:p="http://schemas.openxmlformats.org/presentationml/2006/main">
+  <p:cSld>
+    <p:spTree>
+      <p:nvGrpSpPr>
+        <p:cNvPr id="1" name=""/>
+        <p:cNvGrpSpPr/>
+        <p:nvPr/>
+      </p:nvGrpSpPr>
+      <p:grpSpPr>
+        <a:xfrm>
+          <a:off x="0" y="0"/>
+          <a:ext cx="0" cy="0"/>
+          <a:chOff x="0" y="0"/>
+          <a:chExt cx="0" cy="0"/>
+        </a:xfrm>
+      </p:grpSpPr>
+      <p:sp>
+        <p:nvSpPr>
+          <p:cNvPr id="2" name="Title 1"/>
+          <p:cNvSpPr>
+            <a:spLocks noGrp="1"/>
+          </p:cNvSpPr>
+          <p:nvPr>
+            <p:ph type="title"/>
+          </p:nvPr>
+        </p:nvSpPr>
+        <p:spPr/>
+        <p:txBody>
+          <a:bodyPr/>
+          <a:lstStyle/>
+          <a:p>
             <a:endParaRPr lang="en-US" dirty="0" smtClean="0"/>
           </a:p>
         </p:txBody>
@@ -7219,8 +7718,8 @@
         </p:blipFill>
         <p:spPr bwMode="auto">
           <a:xfrm>
-            <a:off x="356461" y="365125"/>
-            <a:ext cx="11479078" cy="8609309"/>
+            <a:off x="3811931" y="447819"/>
+            <a:ext cx="8546907" cy="6410181"/>
           </a:xfrm>
           <a:prstGeom prst="rect">
             <a:avLst/>
@@ -7257,7 +7756,7 @@
 </p:sld>
 </file>
 
-<file path=ppt/slides/slide21.xml><?xml version="1.0" encoding="utf-8"?>
+<file path=ppt/slides/slide22.xml><?xml version="1.0" encoding="utf-8"?>
 <p:sld xmlns:a="http://schemas.openxmlformats.org/drawingml/2006/main" xmlns:r="http://schemas.openxmlformats.org/officeDocument/2006/relationships" xmlns:p="http://schemas.openxmlformats.org/presentationml/2006/main">
   <p:cSld>
     <p:spTree>
@@ -7466,8 +7965,8 @@
         </p:blipFill>
         <p:spPr bwMode="auto">
           <a:xfrm>
-            <a:off x="2440686" y="-1081747"/>
-            <a:ext cx="7310627" cy="9138283"/>
+            <a:off x="2650519" y="-510139"/>
+            <a:ext cx="6224897" cy="7781121"/>
           </a:xfrm>
           <a:prstGeom prst="rect">
             <a:avLst/>
@@ -7556,8 +8055,8 @@
         </p:nvSpPr>
         <p:spPr>
           <a:xfrm>
-            <a:off x="838200" y="1825625"/>
-            <a:ext cx="5771382" cy="4094728"/>
+            <a:off x="838199" y="1825625"/>
+            <a:ext cx="6197867" cy="4094728"/>
           </a:xfrm>
         </p:spPr>
         <p:txBody>
@@ -7592,29 +8091,87 @@
                 <a:ea typeface="+mn-ea"/>
                 <a:cs typeface="+mn-cs"/>
               </a:rPr>
-              <a:t>Members of the movement:</a:t>
-            </a:r>
-          </a:p>
-          <a:p>
-            <a:pPr lvl="1">
+              <a:t>Members of the movement</a:t>
+            </a:r>
+            <a:r>
+              <a:rPr lang="en-US" sz="4000" kern="1200" dirty="0" smtClean="0">
+                <a:solidFill>
+                  <a:schemeClr val="tx1"/>
+                </a:solidFill>
+                <a:effectLst/>
+                <a:latin typeface="+mn-lt"/>
+                <a:ea typeface="+mn-ea"/>
+                <a:cs typeface="+mn-cs"/>
+              </a:rPr>
+              <a:t>:</a:t>
+            </a:r>
+            <a:br>
+              <a:rPr lang="en-US" sz="4000" kern="1200" dirty="0" smtClean="0">
+                <a:solidFill>
+                  <a:schemeClr val="tx1"/>
+                </a:solidFill>
+                <a:effectLst/>
+                <a:latin typeface="+mn-lt"/>
+                <a:ea typeface="+mn-ea"/>
+                <a:cs typeface="+mn-cs"/>
+              </a:rPr>
+            </a:br>
+            <a:endParaRPr lang="en-US" sz="4000" kern="1200" dirty="0" smtClean="0">
+              <a:solidFill>
+                <a:schemeClr val="tx1"/>
+              </a:solidFill>
+              <a:effectLst/>
+              <a:latin typeface="+mn-lt"/>
+              <a:ea typeface="+mn-ea"/>
+              <a:cs typeface="+mn-cs"/>
+            </a:endParaRPr>
+          </a:p>
+          <a:p>
+            <a:pPr marL="457200" lvl="1" indent="0">
               <a:spcBef>
                 <a:spcPts val="1000"/>
               </a:spcBef>
+              <a:buNone/>
             </a:pPr>
             <a:r>
               <a:rPr lang="en-US" sz="3600" dirty="0" smtClean="0"/>
-              <a:t>Have decided that helping others is their primary goal</a:t>
-            </a:r>
-          </a:p>
-          <a:p>
-            <a:pPr lvl="1">
+              <a:t>Have decided that helping others is their primary </a:t>
+            </a:r>
+            <a:r>
+              <a:rPr lang="en-US" sz="3600" dirty="0" smtClean="0"/>
+              <a:t>goal</a:t>
+            </a:r>
+            <a:br>
+              <a:rPr lang="en-US" sz="3600" dirty="0" smtClean="0"/>
+            </a:br>
+            <a:endParaRPr lang="en-US" sz="3600" dirty="0" smtClean="0"/>
+          </a:p>
+          <a:p>
+            <a:pPr marL="457200" lvl="1" indent="0">
               <a:spcBef>
                 <a:spcPts val="1000"/>
               </a:spcBef>
+              <a:buNone/>
             </a:pPr>
             <a:r>
               <a:rPr lang="en-US" sz="3600" dirty="0" smtClean="0"/>
-              <a:t>Use reason, evidence, and their personal resources to maximize their impact</a:t>
+              <a:t>Use reason, evidence, and their </a:t>
+            </a:r>
+            <a:r>
+              <a:rPr lang="en-US" sz="3600" dirty="0" smtClean="0"/>
+              <a:t>resources </a:t>
+            </a:r>
+            <a:r>
+              <a:rPr lang="en-US" sz="3600" dirty="0" smtClean="0"/>
+              <a:t>to maximize </a:t>
+            </a:r>
+            <a:r>
+              <a:rPr lang="en-US" sz="3600" dirty="0" smtClean="0"/>
+              <a:t>their personal </a:t>
+            </a:r>
+            <a:r>
+              <a:rPr lang="en-US" sz="3600" dirty="0" smtClean="0"/>
+              <a:t>impact</a:t>
             </a:r>
           </a:p>
         </p:txBody>
@@ -7864,12 +8421,12 @@
               <a:buNone/>
             </a:pPr>
             <a:r>
-              <a:rPr lang="en-US" sz="3200" baseline="0" dirty="0" smtClean="0"/>
-              <a:t>Matt Wage: </a:t>
-            </a:r>
-            <a:r>
               <a:rPr lang="en-US" sz="3200" i="1" baseline="0" dirty="0" smtClean="0"/>
-              <a:t>“Suppose you see a burning building, and you run through the flames and kick a door open, and</a:t>
+              <a:t>“</a:t>
+            </a:r>
+            <a:r>
+              <a:rPr lang="en-US" sz="3200" i="1" baseline="0" dirty="0" smtClean="0"/>
+              <a:t>Suppose you see a burning building, and you run through the flames and kick a door open, and</a:t>
             </a:r>
             <a:r>
               <a:rPr lang="en-US" sz="3200" i="1" dirty="0" smtClean="0"/>
@@ -8127,43 +8684,6 @@
       </p:grpSpPr>
       <p:sp>
         <p:nvSpPr>
-          <p:cNvPr id="2" name="Title 1"/>
-          <p:cNvSpPr>
-            <a:spLocks noGrp="1"/>
-          </p:cNvSpPr>
-          <p:nvPr>
-            <p:ph type="title"/>
-          </p:nvPr>
-        </p:nvSpPr>
-        <p:spPr>
-          <a:xfrm>
-            <a:off x="5603132" y="365125"/>
-            <a:ext cx="5750668" cy="1325563"/>
-          </a:xfrm>
-        </p:spPr>
-        <p:txBody>
-          <a:bodyPr/>
-          <a:lstStyle/>
-          <a:p>
-            <a:pPr lvl="0"/>
-            <a:r>
-              <a:rPr lang="en-US" baseline="0" dirty="0" smtClean="0"/>
-              <a:t>How much good can</a:t>
-            </a:r>
-            <a:r>
-              <a:rPr lang="en-US" dirty="0" smtClean="0"/>
-              <a:t> we do</a:t>
-            </a:r>
-            <a:r>
-              <a:rPr lang="en-US" baseline="0" dirty="0" smtClean="0"/>
-              <a:t>?</a:t>
-            </a:r>
-            <a:endParaRPr lang="en-US" dirty="0"/>
-          </a:p>
-        </p:txBody>
-      </p:sp>
-      <p:sp>
-        <p:nvSpPr>
           <p:cNvPr id="3" name="Text Placeholder 2"/>
           <p:cNvSpPr>
             <a:spLocks noGrp="1"/>
@@ -8180,11 +8700,13 @@
         </p:spPr>
         <p:txBody>
           <a:bodyPr>
-            <a:normAutofit/>
+            <a:normAutofit fontScale="92500" lnSpcReduction="10000"/>
           </a:bodyPr>
           <a:lstStyle/>
           <a:p>
-            <a:pPr lvl="1"/>
+            <a:pPr marL="457200" lvl="1" indent="0">
+              <a:buNone/>
+            </a:pPr>
             <a:r>
               <a:rPr lang="en-US" sz="3200" baseline="0" dirty="0" smtClean="0"/>
               <a:t>Malaria-prevention </a:t>
@@ -8195,33 +8717,63 @@
             </a:r>
             <a:r>
               <a:rPr lang="en-US" sz="3200" dirty="0" smtClean="0"/>
-              <a:t>: about $7 per net distributed</a:t>
-            </a:r>
-          </a:p>
-          <a:p>
-            <a:pPr lvl="1"/>
+              <a:t>: about $7 per net </a:t>
+            </a:r>
+            <a:r>
+              <a:rPr lang="en-US" sz="3200" dirty="0" smtClean="0"/>
+              <a:t>distributed</a:t>
+            </a:r>
+            <a:br>
+              <a:rPr lang="en-US" sz="3200" dirty="0" smtClean="0"/>
+            </a:br>
+            <a:endParaRPr lang="en-US" sz="3200" dirty="0" smtClean="0"/>
+          </a:p>
+          <a:p>
+            <a:pPr marL="457200" lvl="1" indent="0">
+              <a:buNone/>
+            </a:pPr>
             <a:r>
               <a:rPr lang="en-US" sz="3200" baseline="0" dirty="0" smtClean="0"/>
               <a:t>About</a:t>
             </a:r>
             <a:r>
               <a:rPr lang="en-US" sz="3200" dirty="0" smtClean="0"/>
-              <a:t> $3340 per child’s life saved</a:t>
-            </a:r>
-          </a:p>
-          <a:p>
-            <a:pPr lvl="1"/>
+              <a:t> $3340 per child’s life </a:t>
+            </a:r>
+            <a:r>
+              <a:rPr lang="en-US" sz="3200" dirty="0" smtClean="0"/>
+              <a:t>saved</a:t>
+            </a:r>
+            <a:br>
+              <a:rPr lang="en-US" sz="3200" dirty="0" smtClean="0"/>
+            </a:br>
+            <a:endParaRPr lang="en-US" sz="3200" dirty="0" smtClean="0"/>
+          </a:p>
+          <a:p>
+            <a:pPr marL="457200" lvl="1" indent="0">
+              <a:buNone/>
+            </a:pPr>
             <a:r>
               <a:rPr lang="en-US" sz="3200" baseline="0" dirty="0" smtClean="0"/>
               <a:t>A modest U.S. lifetime</a:t>
             </a:r>
             <a:r>
               <a:rPr lang="en-US" sz="3200" dirty="0" smtClean="0"/>
-              <a:t> income totals about $1m</a:t>
-            </a:r>
-          </a:p>
-          <a:p>
-            <a:pPr lvl="1"/>
+              <a:t> income totals about $</a:t>
+            </a:r>
+            <a:r>
+              <a:rPr lang="en-US" sz="3200" dirty="0" smtClean="0"/>
+              <a:t>1m</a:t>
+            </a:r>
+            <a:br>
+              <a:rPr lang="en-US" sz="3200" dirty="0" smtClean="0"/>
+            </a:br>
+            <a:endParaRPr lang="en-US" sz="3200" dirty="0" smtClean="0"/>
+          </a:p>
+          <a:p>
+            <a:pPr marL="457200" lvl="1" indent="0">
+              <a:buNone/>
+            </a:pPr>
             <a:r>
               <a:rPr lang="en-US" sz="3200" baseline="0" dirty="0" smtClean="0"/>
               <a:t>Even 1%</a:t>
@@ -8274,6 +8826,43 @@
           </a:extLst>
         </p:spPr>
       </p:pic>
+      <p:sp>
+        <p:nvSpPr>
+          <p:cNvPr id="2" name="Title 1"/>
+          <p:cNvSpPr>
+            <a:spLocks noGrp="1"/>
+          </p:cNvSpPr>
+          <p:nvPr>
+            <p:ph type="title"/>
+          </p:nvPr>
+        </p:nvSpPr>
+        <p:spPr>
+          <a:xfrm>
+            <a:off x="3580598" y="365126"/>
+            <a:ext cx="7773202" cy="905410"/>
+          </a:xfrm>
+        </p:spPr>
+        <p:txBody>
+          <a:bodyPr/>
+          <a:lstStyle/>
+          <a:p>
+            <a:pPr lvl="0"/>
+            <a:r>
+              <a:rPr lang="en-US" baseline="0" dirty="0" smtClean="0"/>
+              <a:t>How much good can</a:t>
+            </a:r>
+            <a:r>
+              <a:rPr lang="en-US" dirty="0" smtClean="0"/>
+              <a:t> we do</a:t>
+            </a:r>
+            <a:r>
+              <a:rPr lang="en-US" baseline="0" dirty="0" smtClean="0"/>
+              <a:t>?</a:t>
+            </a:r>
+            <a:endParaRPr lang="en-US" dirty="0"/>
+          </a:p>
+        </p:txBody>
+      </p:sp>
     </p:spTree>
     <p:extLst>
       <p:ext uri="{BB962C8B-B14F-4D97-AF65-F5344CB8AC3E}">
@@ -8626,7 +9215,7 @@
     </a:clrScheme>
     <a:fontScheme name="Office">
       <a:majorFont>
-        <a:latin typeface="Calibri Light" panose="020F0302020204030204"/>
+        <a:latin typeface="Calibri Light"/>
         <a:ea typeface=""/>
         <a:cs typeface=""/>
         <a:font script="Jpan" typeface="ＭＳ Ｐゴシック"/>
@@ -8661,7 +9250,7 @@
         <a:font script="Geor" typeface="Sylfaen"/>
       </a:majorFont>
       <a:minorFont>
-        <a:latin typeface="Calibri" panose="020F0502020204030204"/>
+        <a:latin typeface="Calibri"/>
         <a:ea typeface=""/>
         <a:cs typeface=""/>
         <a:font script="Jpan" typeface="ＭＳ Ｐゴシック"/>
@@ -8838,7 +9427,7 @@
   <a:extraClrSchemeLst/>
   <a:extLst>
     <a:ext uri="{05A4C25C-085E-4340-85A3-A5531E510DB2}">
-      <thm15:themeFamily xmlns:thm15="http://schemas.microsoft.com/office/thememl/2012/main" name="Office Theme" id="{62F939B6-93AF-4DB8-9C6B-D6C7DFDC589F}" vid="{4A3C46E8-61CC-4603-A589-7422A47A8E4A}"/>
+      <thm15:themeFamily xmlns:thm15="http://schemas.microsoft.com/office/thememl/2012/main" xmlns="" name="Office Theme" id="{62F939B6-93AF-4DB8-9C6B-D6C7DFDC589F}" vid="{4A3C46E8-61CC-4603-A589-7422A47A8E4A}"/>
     </a:ext>
   </a:extLst>
 </a:theme>
@@ -8887,7 +9476,7 @@
     </a:clrScheme>
     <a:fontScheme name="Office">
       <a:majorFont>
-        <a:latin typeface="Calibri Light" panose="020F0302020204030204"/>
+        <a:latin typeface="Calibri Light"/>
         <a:ea typeface=""/>
         <a:cs typeface=""/>
         <a:font script="Jpan" typeface="ＭＳ Ｐゴシック"/>
@@ -8922,7 +9511,7 @@
         <a:font script="Geor" typeface="Sylfaen"/>
       </a:majorFont>
       <a:minorFont>
-        <a:latin typeface="Calibri" panose="020F0502020204030204"/>
+        <a:latin typeface="Calibri"/>
         <a:ea typeface=""/>
         <a:cs typeface=""/>
         <a:font script="Jpan" typeface="ＭＳ Ｐゴシック"/>
@@ -9099,7 +9688,7 @@
   <a:extraClrSchemeLst/>
   <a:extLst>
     <a:ext uri="{05A4C25C-085E-4340-85A3-A5531E510DB2}">
-      <thm15:themeFamily xmlns:thm15="http://schemas.microsoft.com/office/thememl/2012/main" name="Office Theme" id="{62F939B6-93AF-4DB8-9C6B-D6C7DFDC589F}" vid="{4A3C46E8-61CC-4603-A589-7422A47A8E4A}"/>
+      <thm15:themeFamily xmlns:thm15="http://schemas.microsoft.com/office/thememl/2012/main" xmlns="" name="Office Theme" id="{62F939B6-93AF-4DB8-9C6B-D6C7DFDC589F}" vid="{4A3C46E8-61CC-4603-A589-7422A47A8E4A}"/>
     </a:ext>
   </a:extLst>
 </a:theme>
